--- a/Folder4/Presentation.pptx
+++ b/Folder4/Presentation.pptx
@@ -272,7 +272,7 @@
           <a:p>
             <a:fld id="{8BE9BC1A-C169-4E52-B4D1-E3FCE31958F7}" type="datetimeFigureOut">
               <a:rPr lang="en-US" smtClean="0"/>
-              <a:t>5/7/21</a:t>
+              <a:t>5/8/21</a:t>
             </a:fld>
             <a:endParaRPr lang="en-US"/>
           </a:p>
@@ -470,7 +470,7 @@
           <a:p>
             <a:fld id="{8BE9BC1A-C169-4E52-B4D1-E3FCE31958F7}" type="datetimeFigureOut">
               <a:rPr lang="en-US" smtClean="0"/>
-              <a:t>5/7/21</a:t>
+              <a:t>5/8/21</a:t>
             </a:fld>
             <a:endParaRPr lang="en-US"/>
           </a:p>
@@ -678,7 +678,7 @@
           <a:p>
             <a:fld id="{8BE9BC1A-C169-4E52-B4D1-E3FCE31958F7}" type="datetimeFigureOut">
               <a:rPr lang="en-US" smtClean="0"/>
-              <a:t>5/7/21</a:t>
+              <a:t>5/8/21</a:t>
             </a:fld>
             <a:endParaRPr lang="en-US"/>
           </a:p>
@@ -876,7 +876,7 @@
           <a:p>
             <a:fld id="{8BE9BC1A-C169-4E52-B4D1-E3FCE31958F7}" type="datetimeFigureOut">
               <a:rPr lang="en-US" smtClean="0"/>
-              <a:t>5/7/21</a:t>
+              <a:t>5/8/21</a:t>
             </a:fld>
             <a:endParaRPr lang="en-US"/>
           </a:p>
@@ -1151,7 +1151,7 @@
           <a:p>
             <a:fld id="{8BE9BC1A-C169-4E52-B4D1-E3FCE31958F7}" type="datetimeFigureOut">
               <a:rPr lang="en-US" smtClean="0"/>
-              <a:t>5/7/21</a:t>
+              <a:t>5/8/21</a:t>
             </a:fld>
             <a:endParaRPr lang="en-US"/>
           </a:p>
@@ -1416,7 +1416,7 @@
           <a:p>
             <a:fld id="{8BE9BC1A-C169-4E52-B4D1-E3FCE31958F7}" type="datetimeFigureOut">
               <a:rPr lang="en-US" smtClean="0"/>
-              <a:t>5/7/21</a:t>
+              <a:t>5/8/21</a:t>
             </a:fld>
             <a:endParaRPr lang="en-US"/>
           </a:p>
@@ -1828,7 +1828,7 @@
           <a:p>
             <a:fld id="{8BE9BC1A-C169-4E52-B4D1-E3FCE31958F7}" type="datetimeFigureOut">
               <a:rPr lang="en-US" smtClean="0"/>
-              <a:t>5/7/21</a:t>
+              <a:t>5/8/21</a:t>
             </a:fld>
             <a:endParaRPr lang="en-US"/>
           </a:p>
@@ -1969,7 +1969,7 @@
           <a:p>
             <a:fld id="{8BE9BC1A-C169-4E52-B4D1-E3FCE31958F7}" type="datetimeFigureOut">
               <a:rPr lang="en-US" smtClean="0"/>
-              <a:t>5/7/21</a:t>
+              <a:t>5/8/21</a:t>
             </a:fld>
             <a:endParaRPr lang="en-US"/>
           </a:p>
@@ -2082,7 +2082,7 @@
           <a:p>
             <a:fld id="{8BE9BC1A-C169-4E52-B4D1-E3FCE31958F7}" type="datetimeFigureOut">
               <a:rPr lang="en-US" smtClean="0"/>
-              <a:t>5/7/21</a:t>
+              <a:t>5/8/21</a:t>
             </a:fld>
             <a:endParaRPr lang="en-US"/>
           </a:p>
@@ -2393,7 +2393,7 @@
           <a:p>
             <a:fld id="{8BE9BC1A-C169-4E52-B4D1-E3FCE31958F7}" type="datetimeFigureOut">
               <a:rPr lang="en-US" smtClean="0"/>
-              <a:t>5/7/21</a:t>
+              <a:t>5/8/21</a:t>
             </a:fld>
             <a:endParaRPr lang="en-US"/>
           </a:p>
@@ -2681,7 +2681,7 @@
           <a:p>
             <a:fld id="{8BE9BC1A-C169-4E52-B4D1-E3FCE31958F7}" type="datetimeFigureOut">
               <a:rPr lang="en-US" smtClean="0"/>
-              <a:t>5/7/21</a:t>
+              <a:t>5/8/21</a:t>
             </a:fld>
             <a:endParaRPr lang="en-US"/>
           </a:p>
@@ -2922,7 +2922,7 @@
           <a:p>
             <a:fld id="{8BE9BC1A-C169-4E52-B4D1-E3FCE31958F7}" type="datetimeFigureOut">
               <a:rPr lang="en-US" smtClean="0"/>
-              <a:t>5/7/21</a:t>
+              <a:t>5/8/21</a:t>
             </a:fld>
             <a:endParaRPr lang="en-US"/>
           </a:p>
@@ -5751,7 +5751,7 @@
             <a:pPr lvl="1"/>
             <a:r>
               <a:rPr lang="en-US" dirty="0"/>
-              <a:t>small, sparse states </a:t>
+              <a:t>Population Density/State size</a:t>
             </a:r>
           </a:p>
           <a:p>
@@ -5778,7 +5778,7 @@
             <a:pPr lvl="1"/>
             <a:r>
               <a:rPr lang="en-US" dirty="0"/>
-              <a:t>3 North Eastern states with very high population densities</a:t>
+              <a:t>Population Density/State size</a:t>
             </a:r>
           </a:p>
           <a:p>

--- a/Folder4/Presentation.pptx
+++ b/Folder4/Presentation.pptx
@@ -272,7 +272,7 @@
           <a:p>
             <a:fld id="{8BE9BC1A-C169-4E52-B4D1-E3FCE31958F7}" type="datetimeFigureOut">
               <a:rPr lang="en-US" smtClean="0"/>
-              <a:t>5/8/21</a:t>
+              <a:t>5/8/2021</a:t>
             </a:fld>
             <a:endParaRPr lang="en-US"/>
           </a:p>
@@ -470,7 +470,7 @@
           <a:p>
             <a:fld id="{8BE9BC1A-C169-4E52-B4D1-E3FCE31958F7}" type="datetimeFigureOut">
               <a:rPr lang="en-US" smtClean="0"/>
-              <a:t>5/8/21</a:t>
+              <a:t>5/8/2021</a:t>
             </a:fld>
             <a:endParaRPr lang="en-US"/>
           </a:p>
@@ -678,7 +678,7 @@
           <a:p>
             <a:fld id="{8BE9BC1A-C169-4E52-B4D1-E3FCE31958F7}" type="datetimeFigureOut">
               <a:rPr lang="en-US" smtClean="0"/>
-              <a:t>5/8/21</a:t>
+              <a:t>5/8/2021</a:t>
             </a:fld>
             <a:endParaRPr lang="en-US"/>
           </a:p>
@@ -876,7 +876,7 @@
           <a:p>
             <a:fld id="{8BE9BC1A-C169-4E52-B4D1-E3FCE31958F7}" type="datetimeFigureOut">
               <a:rPr lang="en-US" smtClean="0"/>
-              <a:t>5/8/21</a:t>
+              <a:t>5/8/2021</a:t>
             </a:fld>
             <a:endParaRPr lang="en-US"/>
           </a:p>
@@ -1151,7 +1151,7 @@
           <a:p>
             <a:fld id="{8BE9BC1A-C169-4E52-B4D1-E3FCE31958F7}" type="datetimeFigureOut">
               <a:rPr lang="en-US" smtClean="0"/>
-              <a:t>5/8/21</a:t>
+              <a:t>5/8/2021</a:t>
             </a:fld>
             <a:endParaRPr lang="en-US"/>
           </a:p>
@@ -1416,7 +1416,7 @@
           <a:p>
             <a:fld id="{8BE9BC1A-C169-4E52-B4D1-E3FCE31958F7}" type="datetimeFigureOut">
               <a:rPr lang="en-US" smtClean="0"/>
-              <a:t>5/8/21</a:t>
+              <a:t>5/8/2021</a:t>
             </a:fld>
             <a:endParaRPr lang="en-US"/>
           </a:p>
@@ -1828,7 +1828,7 @@
           <a:p>
             <a:fld id="{8BE9BC1A-C169-4E52-B4D1-E3FCE31958F7}" type="datetimeFigureOut">
               <a:rPr lang="en-US" smtClean="0"/>
-              <a:t>5/8/21</a:t>
+              <a:t>5/8/2021</a:t>
             </a:fld>
             <a:endParaRPr lang="en-US"/>
           </a:p>
@@ -1969,7 +1969,7 @@
           <a:p>
             <a:fld id="{8BE9BC1A-C169-4E52-B4D1-E3FCE31958F7}" type="datetimeFigureOut">
               <a:rPr lang="en-US" smtClean="0"/>
-              <a:t>5/8/21</a:t>
+              <a:t>5/8/2021</a:t>
             </a:fld>
             <a:endParaRPr lang="en-US"/>
           </a:p>
@@ -2082,7 +2082,7 @@
           <a:p>
             <a:fld id="{8BE9BC1A-C169-4E52-B4D1-E3FCE31958F7}" type="datetimeFigureOut">
               <a:rPr lang="en-US" smtClean="0"/>
-              <a:t>5/8/21</a:t>
+              <a:t>5/8/2021</a:t>
             </a:fld>
             <a:endParaRPr lang="en-US"/>
           </a:p>
@@ -2393,7 +2393,7 @@
           <a:p>
             <a:fld id="{8BE9BC1A-C169-4E52-B4D1-E3FCE31958F7}" type="datetimeFigureOut">
               <a:rPr lang="en-US" smtClean="0"/>
-              <a:t>5/8/21</a:t>
+              <a:t>5/8/2021</a:t>
             </a:fld>
             <a:endParaRPr lang="en-US"/>
           </a:p>
@@ -2681,7 +2681,7 @@
           <a:p>
             <a:fld id="{8BE9BC1A-C169-4E52-B4D1-E3FCE31958F7}" type="datetimeFigureOut">
               <a:rPr lang="en-US" smtClean="0"/>
-              <a:t>5/8/21</a:t>
+              <a:t>5/8/2021</a:t>
             </a:fld>
             <a:endParaRPr lang="en-US"/>
           </a:p>
@@ -2922,7 +2922,7 @@
           <a:p>
             <a:fld id="{8BE9BC1A-C169-4E52-B4D1-E3FCE31958F7}" type="datetimeFigureOut">
               <a:rPr lang="en-US" smtClean="0"/>
-              <a:t>5/8/21</a:t>
+              <a:t>5/8/2021</a:t>
             </a:fld>
             <a:endParaRPr lang="en-US"/>
           </a:p>
